--- a/vignettes/package_scheme.pptx
+++ b/vignettes/package_scheme.pptx
@@ -288,7 +288,7 @@
           <a:p>
             <a:fld id="{B57E0682-ACB1-4681-A7B8-5361BEDC3538}" type="datetimeFigureOut">
               <a:rPr lang="fr-FR" smtClean="0"/>
-              <a:t>05/07/2018</a:t>
+              <a:t>04/07/2018</a:t>
             </a:fld>
             <a:endParaRPr lang="fr-FR"/>
           </a:p>
@@ -458,7 +458,7 @@
           <a:p>
             <a:fld id="{B57E0682-ACB1-4681-A7B8-5361BEDC3538}" type="datetimeFigureOut">
               <a:rPr lang="fr-FR" smtClean="0"/>
-              <a:t>05/07/2018</a:t>
+              <a:t>04/07/2018</a:t>
             </a:fld>
             <a:endParaRPr lang="fr-FR"/>
           </a:p>
@@ -638,7 +638,7 @@
           <a:p>
             <a:fld id="{B57E0682-ACB1-4681-A7B8-5361BEDC3538}" type="datetimeFigureOut">
               <a:rPr lang="fr-FR" smtClean="0"/>
-              <a:t>05/07/2018</a:t>
+              <a:t>04/07/2018</a:t>
             </a:fld>
             <a:endParaRPr lang="fr-FR"/>
           </a:p>
@@ -808,7 +808,7 @@
           <a:p>
             <a:fld id="{B57E0682-ACB1-4681-A7B8-5361BEDC3538}" type="datetimeFigureOut">
               <a:rPr lang="fr-FR" smtClean="0"/>
-              <a:t>05/07/2018</a:t>
+              <a:t>04/07/2018</a:t>
             </a:fld>
             <a:endParaRPr lang="fr-FR"/>
           </a:p>
@@ -1054,7 +1054,7 @@
           <a:p>
             <a:fld id="{B57E0682-ACB1-4681-A7B8-5361BEDC3538}" type="datetimeFigureOut">
               <a:rPr lang="fr-FR" smtClean="0"/>
-              <a:t>05/07/2018</a:t>
+              <a:t>04/07/2018</a:t>
             </a:fld>
             <a:endParaRPr lang="fr-FR"/>
           </a:p>
@@ -1342,7 +1342,7 @@
           <a:p>
             <a:fld id="{B57E0682-ACB1-4681-A7B8-5361BEDC3538}" type="datetimeFigureOut">
               <a:rPr lang="fr-FR" smtClean="0"/>
-              <a:t>05/07/2018</a:t>
+              <a:t>04/07/2018</a:t>
             </a:fld>
             <a:endParaRPr lang="fr-FR"/>
           </a:p>
@@ -1764,7 +1764,7 @@
           <a:p>
             <a:fld id="{B57E0682-ACB1-4681-A7B8-5361BEDC3538}" type="datetimeFigureOut">
               <a:rPr lang="fr-FR" smtClean="0"/>
-              <a:t>05/07/2018</a:t>
+              <a:t>04/07/2018</a:t>
             </a:fld>
             <a:endParaRPr lang="fr-FR"/>
           </a:p>
@@ -1882,7 +1882,7 @@
           <a:p>
             <a:fld id="{B57E0682-ACB1-4681-A7B8-5361BEDC3538}" type="datetimeFigureOut">
               <a:rPr lang="fr-FR" smtClean="0"/>
-              <a:t>05/07/2018</a:t>
+              <a:t>04/07/2018</a:t>
             </a:fld>
             <a:endParaRPr lang="fr-FR"/>
           </a:p>
@@ -1977,7 +1977,7 @@
           <a:p>
             <a:fld id="{B57E0682-ACB1-4681-A7B8-5361BEDC3538}" type="datetimeFigureOut">
               <a:rPr lang="fr-FR" smtClean="0"/>
-              <a:t>05/07/2018</a:t>
+              <a:t>04/07/2018</a:t>
             </a:fld>
             <a:endParaRPr lang="fr-FR"/>
           </a:p>
@@ -2254,7 +2254,7 @@
           <a:p>
             <a:fld id="{B57E0682-ACB1-4681-A7B8-5361BEDC3538}" type="datetimeFigureOut">
               <a:rPr lang="fr-FR" smtClean="0"/>
-              <a:t>05/07/2018</a:t>
+              <a:t>04/07/2018</a:t>
             </a:fld>
             <a:endParaRPr lang="fr-FR"/>
           </a:p>
@@ -2507,7 +2507,7 @@
           <a:p>
             <a:fld id="{B57E0682-ACB1-4681-A7B8-5361BEDC3538}" type="datetimeFigureOut">
               <a:rPr lang="fr-FR" smtClean="0"/>
-              <a:t>05/07/2018</a:t>
+              <a:t>04/07/2018</a:t>
             </a:fld>
             <a:endParaRPr lang="fr-FR"/>
           </a:p>
@@ -2720,7 +2720,7 @@
           <a:p>
             <a:fld id="{B57E0682-ACB1-4681-A7B8-5361BEDC3538}" type="datetimeFigureOut">
               <a:rPr lang="fr-FR" smtClean="0"/>
-              <a:t>05/07/2018</a:t>
+              <a:t>04/07/2018</a:t>
             </a:fld>
             <a:endParaRPr lang="fr-FR"/>
           </a:p>
@@ -3095,46 +3095,6 @@
           <a:chExt cx="0" cy="0"/>
         </a:xfrm>
       </p:grpSpPr>
-      <p:cxnSp>
-        <p:nvCxnSpPr>
-          <p:cNvPr id="74" name="Connecteur droit avec flèche 73"/>
-          <p:cNvCxnSpPr>
-            <a:stCxn id="73" idx="1"/>
-          </p:cNvCxnSpPr>
-          <p:nvPr/>
-        </p:nvCxnSpPr>
-        <p:spPr>
-          <a:xfrm flipV="1">
-            <a:off x="3768714" y="2733013"/>
-            <a:ext cx="2508027" cy="1"/>
-          </a:xfrm>
-          <a:prstGeom prst="straightConnector1">
-            <a:avLst/>
-          </a:prstGeom>
-          <a:ln w="19050">
-            <a:solidFill>
-              <a:schemeClr val="accent1">
-                <a:lumMod val="75000"/>
-              </a:schemeClr>
-            </a:solidFill>
-            <a:tailEnd type="triangle"/>
-          </a:ln>
-        </p:spPr>
-        <p:style>
-          <a:lnRef idx="1">
-            <a:schemeClr val="accent1"/>
-          </a:lnRef>
-          <a:fillRef idx="0">
-            <a:schemeClr val="accent1"/>
-          </a:fillRef>
-          <a:effectRef idx="0">
-            <a:schemeClr val="accent1"/>
-          </a:effectRef>
-          <a:fontRef idx="minor">
-            <a:schemeClr val="tx1"/>
-          </a:fontRef>
-        </p:style>
-      </p:cxnSp>
       <p:sp>
         <p:nvSpPr>
           <p:cNvPr id="63" name="ZoneTexte 62"/>
@@ -3515,7 +3475,7 @@
                 <a:lumMod val="75000"/>
               </a:schemeClr>
             </a:solidFill>
-            <a:tailEnd type="triangle"/>
+            <a:tailEnd type="arrow"/>
           </a:ln>
         </p:spPr>
         <p:style>
@@ -4058,7 +4018,7 @@
                 <a:lumMod val="75000"/>
               </a:schemeClr>
             </a:solidFill>
-            <a:tailEnd type="triangle"/>
+            <a:tailEnd type="arrow"/>
           </a:ln>
         </p:spPr>
         <p:style>
@@ -4146,7 +4106,7 @@
                 <a:lumMod val="75000"/>
               </a:schemeClr>
             </a:solidFill>
-            <a:tailEnd type="triangle"/>
+            <a:tailEnd type="arrow"/>
           </a:ln>
         </p:spPr>
         <p:style>
@@ -4249,7 +4209,7 @@
                 <a:lumMod val="75000"/>
               </a:schemeClr>
             </a:solidFill>
-            <a:tailEnd type="triangle"/>
+            <a:tailEnd type="arrow"/>
           </a:ln>
         </p:spPr>
         <p:style>
@@ -4276,7 +4236,7 @@
         <p:spPr>
           <a:xfrm>
             <a:off x="7526678" y="1988840"/>
-            <a:ext cx="609921" cy="171455"/>
+            <a:ext cx="609921" cy="288032"/>
           </a:xfrm>
           <a:prstGeom prst="ellipse">
             <a:avLst/>
@@ -4715,344 +4675,6 @@
           <a:p>
             <a:pPr algn="ctr"/>
             <a:endParaRPr lang="fr-FR"/>
-          </a:p>
-        </p:txBody>
-      </p:sp>
-      <p:sp>
-        <p:nvSpPr>
-          <p:cNvPr id="39" name="Ellipse 38"/>
-          <p:cNvSpPr/>
-          <p:nvPr/>
-        </p:nvSpPr>
-        <p:spPr>
-          <a:xfrm>
-            <a:off x="1630772" y="2276856"/>
-            <a:ext cx="1213036" cy="185335"/>
-          </a:xfrm>
-          <a:prstGeom prst="ellipse">
-            <a:avLst/>
-          </a:prstGeom>
-          <a:noFill/>
-          <a:ln w="19050"/>
-        </p:spPr>
-        <p:style>
-          <a:lnRef idx="2">
-            <a:schemeClr val="accent1">
-              <a:shade val="50000"/>
-            </a:schemeClr>
-          </a:lnRef>
-          <a:fillRef idx="1">
-            <a:schemeClr val="accent1"/>
-          </a:fillRef>
-          <a:effectRef idx="0">
-            <a:schemeClr val="accent1"/>
-          </a:effectRef>
-          <a:fontRef idx="minor">
-            <a:schemeClr val="lt1"/>
-          </a:fontRef>
-        </p:style>
-        <p:txBody>
-          <a:bodyPr rtlCol="0" anchor="ctr"/>
-          <a:lstStyle/>
-          <a:p>
-            <a:pPr algn="ctr"/>
-            <a:r>
-              <a:rPr lang="fr-FR" sz="1000" dirty="0" err="1" smtClean="0">
-                <a:solidFill>
-                  <a:schemeClr val="tx1"/>
-                </a:solidFill>
-              </a:rPr>
-              <a:t>Burnin_time</a:t>
-            </a:r>
-            <a:endParaRPr lang="fr-FR" sz="1000" dirty="0" smtClean="0">
-              <a:solidFill>
-                <a:schemeClr val="tx1"/>
-              </a:solidFill>
-            </a:endParaRPr>
-          </a:p>
-        </p:txBody>
-      </p:sp>
-      <p:sp>
-        <p:nvSpPr>
-          <p:cNvPr id="40" name="ZoneTexte 39"/>
-          <p:cNvSpPr txBox="1"/>
-          <p:nvPr/>
-        </p:nvSpPr>
-        <p:spPr>
-          <a:xfrm>
-            <a:off x="3588994" y="2994793"/>
-            <a:ext cx="1638590" cy="276999"/>
-          </a:xfrm>
-          <a:prstGeom prst="rect">
-            <a:avLst/>
-          </a:prstGeom>
-          <a:solidFill>
-            <a:schemeClr val="bg1"/>
-          </a:solidFill>
-          <a:ln w="19050">
-            <a:solidFill>
-              <a:schemeClr val="accent1">
-                <a:lumMod val="75000"/>
-              </a:schemeClr>
-            </a:solidFill>
-          </a:ln>
-        </p:spPr>
-        <p:txBody>
-          <a:bodyPr wrap="none" rtlCol="0">
-            <a:spAutoFit/>
-          </a:bodyPr>
-          <a:lstStyle/>
-          <a:p>
-            <a:r>
-              <a:rPr lang="fr-FR" sz="1200" b="1" dirty="0" err="1"/>
-              <a:t>a</a:t>
-            </a:r>
-            <a:r>
-              <a:rPr lang="fr-FR" sz="1200" b="1" dirty="0" err="1" smtClean="0"/>
-              <a:t>tlantisfmsy_inisimu</a:t>
-            </a:r>
-            <a:r>
-              <a:rPr lang="fr-FR" sz="1200" b="1" dirty="0" smtClean="0"/>
-              <a:t>( </a:t>
-            </a:r>
-            <a:r>
-              <a:rPr lang="fr-FR" sz="1200" b="1" dirty="0" smtClean="0"/>
-              <a:t>)</a:t>
-            </a:r>
-            <a:endParaRPr lang="fr-FR" sz="1200" b="1" dirty="0"/>
-          </a:p>
-        </p:txBody>
-      </p:sp>
-      <p:sp>
-        <p:nvSpPr>
-          <p:cNvPr id="51" name="Rectangle 50"/>
-          <p:cNvSpPr/>
-          <p:nvPr/>
-        </p:nvSpPr>
-        <p:spPr>
-          <a:xfrm>
-            <a:off x="3588994" y="2994793"/>
-            <a:ext cx="5375494" cy="1010271"/>
-          </a:xfrm>
-          <a:prstGeom prst="rect">
-            <a:avLst/>
-          </a:prstGeom>
-          <a:noFill/>
-        </p:spPr>
-        <p:style>
-          <a:lnRef idx="2">
-            <a:schemeClr val="accent1">
-              <a:shade val="50000"/>
-            </a:schemeClr>
-          </a:lnRef>
-          <a:fillRef idx="1">
-            <a:schemeClr val="accent1"/>
-          </a:fillRef>
-          <a:effectRef idx="0">
-            <a:schemeClr val="accent1"/>
-          </a:effectRef>
-          <a:fontRef idx="minor">
-            <a:schemeClr val="lt1"/>
-          </a:fontRef>
-        </p:style>
-        <p:txBody>
-          <a:bodyPr rtlCol="0" anchor="ctr"/>
-          <a:lstStyle/>
-          <a:p>
-            <a:pPr algn="ctr"/>
-            <a:endParaRPr lang="fr-FR" dirty="0"/>
-          </a:p>
-        </p:txBody>
-      </p:sp>
-      <p:cxnSp>
-        <p:nvCxnSpPr>
-          <p:cNvPr id="52" name="Connecteur droit avec flèche 51"/>
-          <p:cNvCxnSpPr>
-            <a:stCxn id="39" idx="4"/>
-            <a:endCxn id="59" idx="0"/>
-          </p:cNvCxnSpPr>
-          <p:nvPr/>
-        </p:nvCxnSpPr>
-        <p:spPr>
-          <a:xfrm>
-            <a:off x="2237290" y="2462191"/>
-            <a:ext cx="82193" cy="133402"/>
-          </a:xfrm>
-          <a:prstGeom prst="straightConnector1">
-            <a:avLst/>
-          </a:prstGeom>
-          <a:ln w="19050">
-            <a:solidFill>
-              <a:schemeClr val="accent1">
-                <a:lumMod val="75000"/>
-              </a:schemeClr>
-            </a:solidFill>
-            <a:tailEnd type="triangle"/>
-          </a:ln>
-        </p:spPr>
-        <p:style>
-          <a:lnRef idx="1">
-            <a:schemeClr val="accent1"/>
-          </a:lnRef>
-          <a:fillRef idx="0">
-            <a:schemeClr val="accent1"/>
-          </a:fillRef>
-          <a:effectRef idx="0">
-            <a:schemeClr val="accent1"/>
-          </a:effectRef>
-          <a:fontRef idx="minor">
-            <a:schemeClr val="tx1"/>
-          </a:fontRef>
-        </p:style>
-      </p:cxnSp>
-      <p:sp>
-        <p:nvSpPr>
-          <p:cNvPr id="59" name="Ellipse 58"/>
-          <p:cNvSpPr/>
-          <p:nvPr/>
-        </p:nvSpPr>
-        <p:spPr>
-          <a:xfrm>
-            <a:off x="1851431" y="2595593"/>
-            <a:ext cx="936104" cy="185335"/>
-          </a:xfrm>
-          <a:prstGeom prst="ellipse">
-            <a:avLst/>
-          </a:prstGeom>
-          <a:noFill/>
-          <a:ln w="19050"/>
-        </p:spPr>
-        <p:style>
-          <a:lnRef idx="2">
-            <a:schemeClr val="accent1">
-              <a:shade val="50000"/>
-            </a:schemeClr>
-          </a:lnRef>
-          <a:fillRef idx="1">
-            <a:schemeClr val="accent1"/>
-          </a:fillRef>
-          <a:effectRef idx="0">
-            <a:schemeClr val="accent1"/>
-          </a:effectRef>
-          <a:fontRef idx="minor">
-            <a:schemeClr val="lt1"/>
-          </a:fontRef>
-        </p:style>
-        <p:txBody>
-          <a:bodyPr rtlCol="0" anchor="ctr"/>
-          <a:lstStyle/>
-          <a:p>
-            <a:pPr algn="ctr"/>
-            <a:r>
-              <a:rPr lang="fr-FR" sz="1000" dirty="0" err="1" smtClean="0">
-                <a:solidFill>
-                  <a:schemeClr val="tx1"/>
-                </a:solidFill>
-              </a:rPr>
-              <a:t>run_time</a:t>
-            </a:r>
-            <a:endParaRPr lang="fr-FR" sz="1000" dirty="0" smtClean="0">
-              <a:solidFill>
-                <a:schemeClr val="tx1"/>
-              </a:solidFill>
-            </a:endParaRPr>
-          </a:p>
-        </p:txBody>
-      </p:sp>
-      <p:sp>
-        <p:nvSpPr>
-          <p:cNvPr id="72" name="Ellipse 71"/>
-          <p:cNvSpPr/>
-          <p:nvPr/>
-        </p:nvSpPr>
-        <p:spPr>
-          <a:xfrm>
-            <a:off x="2884649" y="2281653"/>
-            <a:ext cx="663586" cy="171455"/>
-          </a:xfrm>
-          <a:prstGeom prst="ellipse">
-            <a:avLst/>
-          </a:prstGeom>
-          <a:noFill/>
-          <a:ln w="19050"/>
-        </p:spPr>
-        <p:style>
-          <a:lnRef idx="2">
-            <a:schemeClr val="accent1">
-              <a:shade val="50000"/>
-            </a:schemeClr>
-          </a:lnRef>
-          <a:fillRef idx="1">
-            <a:schemeClr val="accent1"/>
-          </a:fillRef>
-          <a:effectRef idx="0">
-            <a:schemeClr val="accent1"/>
-          </a:effectRef>
-          <a:fontRef idx="minor">
-            <a:schemeClr val="lt1"/>
-          </a:fontRef>
-        </p:style>
-        <p:txBody>
-          <a:bodyPr rtlCol="0" anchor="ctr"/>
-          <a:lstStyle/>
-          <a:p>
-            <a:pPr algn="ctr"/>
-            <a:r>
-              <a:rPr lang="fr-FR" sz="1000" dirty="0" err="1" smtClean="0">
-                <a:solidFill>
-                  <a:schemeClr val="tx1"/>
-                </a:solidFill>
-              </a:rPr>
-              <a:t>fmax</a:t>
-            </a:r>
-            <a:endParaRPr lang="fr-FR" sz="1000" dirty="0">
-              <a:solidFill>
-                <a:schemeClr val="tx1"/>
-              </a:solidFill>
-            </a:endParaRPr>
-          </a:p>
-        </p:txBody>
-      </p:sp>
-      <p:sp>
-        <p:nvSpPr>
-          <p:cNvPr id="73" name="ZoneTexte 72"/>
-          <p:cNvSpPr txBox="1"/>
-          <p:nvPr/>
-        </p:nvSpPr>
-        <p:spPr>
-          <a:xfrm>
-            <a:off x="3768714" y="2594514"/>
-            <a:ext cx="1523366" cy="276999"/>
-          </a:xfrm>
-          <a:prstGeom prst="rect">
-            <a:avLst/>
-          </a:prstGeom>
-          <a:solidFill>
-            <a:schemeClr val="bg1"/>
-          </a:solidFill>
-          <a:ln w="19050">
-            <a:solidFill>
-              <a:schemeClr val="accent1">
-                <a:lumMod val="75000"/>
-              </a:schemeClr>
-            </a:solidFill>
-          </a:ln>
-        </p:spPr>
-        <p:txBody>
-          <a:bodyPr wrap="none" rtlCol="0">
-            <a:spAutoFit/>
-          </a:bodyPr>
-          <a:lstStyle/>
-          <a:p>
-            <a:r>
-              <a:rPr lang="fr-FR" sz="1200" b="1" dirty="0" err="1" smtClean="0"/>
-              <a:t>atlantis_paraselect</a:t>
-            </a:r>
-            <a:r>
-              <a:rPr lang="fr-FR" sz="1200" b="1" dirty="0" smtClean="0"/>
-              <a:t>( )</a:t>
-            </a:r>
-            <a:endParaRPr lang="fr-FR" sz="1200" b="1" dirty="0"/>
           </a:p>
         </p:txBody>
       </p:sp>
